--- a/JenkinsCIExample.pptx
+++ b/JenkinsCIExample.pptx
@@ -12037,15 +12037,7 @@
           <a:p>
             <a:r>
               <a:rPr lang="en-US" dirty="0" smtClean="0"/>
-              <a:t>Jenkins </a:t>
-            </a:r>
-            <a:r>
-              <a:rPr lang="en-US" dirty="0" smtClean="0"/>
-              <a:t>Continuous Integration </a:t>
-            </a:r>
-            <a:r>
-              <a:rPr lang="en-US" dirty="0" smtClean="0"/>
-              <a:t>Example</a:t>
+              <a:t>Jenkins Continuous Integration Example</a:t>
             </a:r>
             <a:endParaRPr lang="en-US" dirty="0"/>
           </a:p>
@@ -12121,9 +12113,6 @@
               </a:rPr>
               <a:t>&gt;</a:t>
             </a:r>
-            <a:endParaRPr lang="en-US" cap="none" dirty="0" smtClean="0">
-              <a:latin typeface="+mn-lt"/>
-            </a:endParaRPr>
           </a:p>
           <a:p>
             <a:r>
@@ -12374,7 +12363,6 @@
               <a:rPr lang="en-US" sz="1800" dirty="0" smtClean="0"/>
               <a:t>Clone repository and update metadata for CI quick start</a:t>
             </a:r>
-            <a:endParaRPr lang="en-US" sz="1800" dirty="0" smtClean="0"/>
           </a:p>
           <a:p>
             <a:endParaRPr lang="en-US" sz="1800" dirty="0" smtClean="0"/>
@@ -12578,8 +12566,8 @@
         </p:blipFill>
         <p:spPr>
           <a:xfrm>
-            <a:off x="1536404" y="1254244"/>
-            <a:ext cx="6539023" cy="4833789"/>
+            <a:off x="1536404" y="1335773"/>
+            <a:ext cx="6539023" cy="4670730"/>
           </a:xfrm>
           <a:prstGeom prst="rect">
             <a:avLst/>
@@ -12777,7 +12765,6 @@
               <a:rPr lang="en-US" sz="1400" dirty="0" smtClean="0"/>
               <a:t>Test sample task from command line: ‘ant retrieveUnpackaged’ will retrieve Apex code and pages</a:t>
             </a:r>
-            <a:endParaRPr lang="en-US" sz="1400" dirty="0" smtClean="0"/>
           </a:p>
           <a:p>
             <a:r>

--- a/JenkinsCIExample.pptx
+++ b/JenkinsCIExample.pptx
@@ -5,10 +5,10 @@
     <p:sldMasterId id="2147483648" r:id="rId1"/>
   </p:sldMasterIdLst>
   <p:notesMasterIdLst>
-    <p:notesMasterId r:id="rId10"/>
+    <p:notesMasterId r:id="rId11"/>
   </p:notesMasterIdLst>
   <p:handoutMasterIdLst>
-    <p:handoutMasterId r:id="rId11"/>
+    <p:handoutMasterId r:id="rId12"/>
   </p:handoutMasterIdLst>
   <p:sldIdLst>
     <p:sldId id="273" r:id="rId2"/>
@@ -16,9 +16,10 @@
     <p:sldId id="313" r:id="rId4"/>
     <p:sldId id="302" r:id="rId5"/>
     <p:sldId id="314" r:id="rId6"/>
-    <p:sldId id="315" r:id="rId7"/>
-    <p:sldId id="316" r:id="rId8"/>
-    <p:sldId id="317" r:id="rId9"/>
+    <p:sldId id="318" r:id="rId7"/>
+    <p:sldId id="315" r:id="rId8"/>
+    <p:sldId id="316" r:id="rId9"/>
+    <p:sldId id="317" r:id="rId10"/>
   </p:sldIdLst>
   <p:sldSz cx="9144000" cy="6858000" type="screen4x3"/>
   <p:notesSz cx="6858000" cy="9144000"/>
@@ -233,7 +234,7 @@
             <a:fld id="{B0AE08DE-E914-4941-B22F-46C30AABB486}" type="datetimeFigureOut">
               <a:rPr lang="en-US" smtClean="0"/>
               <a:pPr/>
-              <a:t>5/23/16</a:t>
+              <a:t>7/7/16</a:t>
             </a:fld>
             <a:endParaRPr lang="en-US"/>
           </a:p>
@@ -401,7 +402,7 @@
             <a:fld id="{3BAAB869-B60C-704A-895F-36597DA525D3}" type="datetimeFigureOut">
               <a:rPr lang="en-US" smtClean="0"/>
               <a:pPr/>
-              <a:t>5/23/16</a:t>
+              <a:t>7/7/16</a:t>
             </a:fld>
             <a:endParaRPr lang="en-US"/>
           </a:p>
@@ -743,7 +744,7 @@
           <a:p>
             <a:fld id="{93BF8A04-BA51-2F4E-97C4-9AA5391DBF55}" type="datetime1">
               <a:rPr lang="en-US" smtClean="0"/>
-              <a:t>5/23/16</a:t>
+              <a:t>7/7/16</a:t>
             </a:fld>
             <a:endParaRPr lang="en-US"/>
           </a:p>
@@ -1148,7 +1149,7 @@
           <a:p>
             <a:fld id="{7F11782B-4B76-8A4A-B6F7-B07ED27A5818}" type="datetime1">
               <a:rPr lang="en-US" smtClean="0"/>
-              <a:t>5/23/16</a:t>
+              <a:t>7/7/16</a:t>
             </a:fld>
             <a:endParaRPr lang="en-US"/>
           </a:p>
@@ -1850,7 +1851,7 @@
           <a:p>
             <a:fld id="{7F11782B-4B76-8A4A-B6F7-B07ED27A5818}" type="datetime1">
               <a:rPr lang="en-US" smtClean="0"/>
-              <a:t>5/23/16</a:t>
+              <a:t>7/7/16</a:t>
             </a:fld>
             <a:endParaRPr lang="en-US"/>
           </a:p>
@@ -2595,7 +2596,7 @@
           <a:p>
             <a:fld id="{7F11782B-4B76-8A4A-B6F7-B07ED27A5818}" type="datetime1">
               <a:rPr lang="en-US" smtClean="0"/>
-              <a:t>5/23/16</a:t>
+              <a:t>7/7/16</a:t>
             </a:fld>
             <a:endParaRPr lang="en-US"/>
           </a:p>
@@ -4129,7 +4130,7 @@
           <a:p>
             <a:fld id="{7F11782B-4B76-8A4A-B6F7-B07ED27A5818}" type="datetime1">
               <a:rPr lang="en-US" smtClean="0"/>
-              <a:t>5/23/16</a:t>
+              <a:t>7/7/16</a:t>
             </a:fld>
             <a:endParaRPr lang="en-US"/>
           </a:p>
@@ -4961,7 +4962,7 @@
           <a:p>
             <a:fld id="{7F11782B-4B76-8A4A-B6F7-B07ED27A5818}" type="datetime1">
               <a:rPr lang="en-US" smtClean="0"/>
-              <a:t>5/23/16</a:t>
+              <a:t>7/7/16</a:t>
             </a:fld>
             <a:endParaRPr lang="en-US"/>
           </a:p>
@@ -5751,7 +5752,7 @@
           <a:p>
             <a:fld id="{7F11782B-4B76-8A4A-B6F7-B07ED27A5818}" type="datetime1">
               <a:rPr lang="en-US" smtClean="0"/>
-              <a:t>5/23/16</a:t>
+              <a:t>7/7/16</a:t>
             </a:fld>
             <a:endParaRPr lang="en-US"/>
           </a:p>
@@ -6374,7 +6375,7 @@
           <a:p>
             <a:fld id="{7F11782B-4B76-8A4A-B6F7-B07ED27A5818}" type="datetime1">
               <a:rPr lang="en-US" smtClean="0"/>
-              <a:t>5/23/16</a:t>
+              <a:t>7/7/16</a:t>
             </a:fld>
             <a:endParaRPr lang="en-US"/>
           </a:p>
@@ -6494,7 +6495,7 @@
           <a:p>
             <a:fld id="{30376EE9-C5ED-B843-9EDB-810FC7486F22}" type="datetime1">
               <a:rPr lang="en-US" smtClean="0"/>
-              <a:t>5/23/16</a:t>
+              <a:t>7/7/16</a:t>
             </a:fld>
             <a:endParaRPr lang="en-US"/>
           </a:p>
@@ -6883,7 +6884,7 @@
           <a:p>
             <a:fld id="{7F11782B-4B76-8A4A-B6F7-B07ED27A5818}" type="datetime1">
               <a:rPr lang="en-US" smtClean="0"/>
-              <a:t>5/23/16</a:t>
+              <a:t>7/7/16</a:t>
             </a:fld>
             <a:endParaRPr lang="en-US"/>
           </a:p>
@@ -7150,7 +7151,7 @@
           <a:p>
             <a:fld id="{7F11782B-4B76-8A4A-B6F7-B07ED27A5818}" type="datetime1">
               <a:rPr lang="en-US" smtClean="0"/>
-              <a:t>5/23/16</a:t>
+              <a:t>7/7/16</a:t>
             </a:fld>
             <a:endParaRPr lang="en-US"/>
           </a:p>
@@ -7501,7 +7502,7 @@
           <a:p>
             <a:fld id="{7F11782B-4B76-8A4A-B6F7-B07ED27A5818}" type="datetime1">
               <a:rPr lang="en-US" smtClean="0"/>
-              <a:t>5/23/16</a:t>
+              <a:t>7/7/16</a:t>
             </a:fld>
             <a:endParaRPr lang="en-US"/>
           </a:p>
@@ -8049,7 +8050,7 @@
           <a:p>
             <a:fld id="{7F11782B-4B76-8A4A-B6F7-B07ED27A5818}" type="datetime1">
               <a:rPr lang="en-US" smtClean="0"/>
-              <a:t>5/23/16</a:t>
+              <a:t>7/7/16</a:t>
             </a:fld>
             <a:endParaRPr lang="en-US"/>
           </a:p>
@@ -9049,7 +9050,7 @@
           <a:p>
             <a:fld id="{7F11782B-4B76-8A4A-B6F7-B07ED27A5818}" type="datetime1">
               <a:rPr lang="en-US" smtClean="0"/>
-              <a:t>5/23/16</a:t>
+              <a:t>7/7/16</a:t>
             </a:fld>
             <a:endParaRPr lang="en-US"/>
           </a:p>
@@ -9543,7 +9544,7 @@
           <a:p>
             <a:fld id="{7F11782B-4B76-8A4A-B6F7-B07ED27A5818}" type="datetime1">
               <a:rPr lang="en-US" smtClean="0"/>
-              <a:t>5/23/16</a:t>
+              <a:t>7/7/16</a:t>
             </a:fld>
             <a:endParaRPr lang="en-US"/>
           </a:p>
@@ -10525,7 +10526,7 @@
           <a:p>
             <a:fld id="{7F11782B-4B76-8A4A-B6F7-B07ED27A5818}" type="datetime1">
               <a:rPr lang="en-US" smtClean="0"/>
-              <a:t>5/23/16</a:t>
+              <a:t>7/7/16</a:t>
             </a:fld>
             <a:endParaRPr lang="en-US"/>
           </a:p>
@@ -11595,7 +11596,7 @@
             <a:fld id="{AC39B047-6FB9-2E4F-B3E2-EC7336E37F0F}" type="datetime1">
               <a:rPr lang="en-US" smtClean="0"/>
               <a:pPr/>
-              <a:t>5/23/16</a:t>
+              <a:t>7/7/16</a:t>
             </a:fld>
             <a:endParaRPr lang="en-US"/>
           </a:p>
@@ -12207,7 +12208,7 @@
           <a:p>
             <a:fld id="{7F11782B-4B76-8A4A-B6F7-B07ED27A5818}" type="datetime1">
               <a:rPr lang="en-US" smtClean="0"/>
-              <a:t>5/23/16</a:t>
+              <a:t>7/7/16</a:t>
             </a:fld>
             <a:endParaRPr lang="en-US" dirty="0"/>
           </a:p>
@@ -12486,7 +12487,7 @@
           <a:p>
             <a:fld id="{7F11782B-4B76-8A4A-B6F7-B07ED27A5818}" type="datetime1">
               <a:rPr lang="en-US" smtClean="0"/>
-              <a:t>5/23/16</a:t>
+              <a:t>7/7/16</a:t>
             </a:fld>
             <a:endParaRPr lang="en-US" dirty="0"/>
           </a:p>
@@ -12566,12 +12567,19 @@
         </p:blipFill>
         <p:spPr>
           <a:xfrm>
-            <a:off x="1536404" y="1335773"/>
-            <a:ext cx="6539023" cy="4670730"/>
+            <a:off x="1239392" y="886327"/>
+            <a:ext cx="6665216" cy="5241578"/>
           </a:xfrm>
           <a:prstGeom prst="rect">
             <a:avLst/>
           </a:prstGeom>
+          <a:effectLst>
+            <a:outerShdw blurRad="50800" dist="38100" dir="2700000" algn="tl" rotWithShape="0">
+              <a:prstClr val="black">
+                <a:alpha val="40000"/>
+              </a:prstClr>
+            </a:outerShdw>
+          </a:effectLst>
         </p:spPr>
       </p:pic>
     </p:spTree>
@@ -12658,7 +12666,7 @@
           <a:p>
             <a:fld id="{7F11782B-4B76-8A4A-B6F7-B07ED27A5818}" type="datetime1">
               <a:rPr lang="en-US" smtClean="0"/>
-              <a:t>5/23/16</a:t>
+              <a:t>7/7/16</a:t>
             </a:fld>
             <a:endParaRPr lang="en-US" dirty="0"/>
           </a:p>
@@ -12888,7 +12896,7 @@
           <a:p>
             <a:fld id="{7F11782B-4B76-8A4A-B6F7-B07ED27A5818}" type="datetime1">
               <a:rPr lang="en-US" smtClean="0"/>
-              <a:t>5/23/16</a:t>
+              <a:t>7/7/16</a:t>
             </a:fld>
             <a:endParaRPr lang="en-US" dirty="0"/>
           </a:p>
@@ -12963,63 +12971,24 @@
         </p:blipFill>
         <p:spPr>
           <a:xfrm>
-            <a:off x="457200" y="988872"/>
-            <a:ext cx="7495953" cy="1897526"/>
+            <a:off x="457200" y="1068844"/>
+            <a:ext cx="7495953" cy="1026600"/>
           </a:xfrm>
           <a:prstGeom prst="rect">
             <a:avLst/>
           </a:prstGeom>
+          <a:effectLst>
+            <a:outerShdw blurRad="50800" dist="38100" dir="2700000" algn="tl" rotWithShape="0">
+              <a:prstClr val="black">
+                <a:alpha val="40000"/>
+              </a:prstClr>
+            </a:outerShdw>
+          </a:effectLst>
         </p:spPr>
       </p:pic>
-      <p:sp>
-        <p:nvSpPr>
-          <p:cNvPr id="10" name="Rounded Rectangular Callout 9"/>
-          <p:cNvSpPr/>
-          <p:nvPr/>
-        </p:nvSpPr>
-        <p:spPr>
-          <a:xfrm>
-            <a:off x="3997843" y="1839433"/>
-            <a:ext cx="1860698" cy="512023"/>
-          </a:xfrm>
-          <a:prstGeom prst="wedgeRoundRectCallout">
-            <a:avLst>
-              <a:gd name="adj1" fmla="val -33333"/>
-              <a:gd name="adj2" fmla="val 73459"/>
-              <a:gd name="adj3" fmla="val 16667"/>
-            </a:avLst>
-          </a:prstGeom>
-        </p:spPr>
-        <p:style>
-          <a:lnRef idx="1">
-            <a:schemeClr val="accent1"/>
-          </a:lnRef>
-          <a:fillRef idx="3">
-            <a:schemeClr val="accent1"/>
-          </a:fillRef>
-          <a:effectRef idx="2">
-            <a:schemeClr val="accent1"/>
-          </a:effectRef>
-          <a:fontRef idx="minor">
-            <a:schemeClr val="lt1"/>
-          </a:fontRef>
-        </p:style>
-        <p:txBody>
-          <a:bodyPr rtlCol="0" anchor="ctr"/>
-          <a:lstStyle/>
-          <a:p>
-            <a:pPr algn="ctr"/>
-            <a:r>
-              <a:rPr lang="en-US" sz="1200" dirty="0" smtClean="0"/>
-              <a:t>Point GitHub to sample repository</a:t>
-            </a:r>
-            <a:endParaRPr lang="en-US" sz="1200" dirty="0"/>
-          </a:p>
-        </p:txBody>
-      </p:sp>
       <p:pic>
         <p:nvPicPr>
-          <p:cNvPr id="11" name="Picture 10"/>
+          <p:cNvPr id="18" name="Picture 17"/>
           <p:cNvPicPr>
             <a:picLocks noChangeAspect="1"/>
           </p:cNvPicPr>
@@ -13039,23 +13008,30 @@
         </p:blipFill>
         <p:spPr>
           <a:xfrm>
-            <a:off x="1350335" y="2923097"/>
+            <a:off x="1264274" y="2577524"/>
             <a:ext cx="7336465" cy="3481832"/>
           </a:xfrm>
           <a:prstGeom prst="rect">
             <a:avLst/>
           </a:prstGeom>
+          <a:effectLst>
+            <a:outerShdw blurRad="50800" dist="38100" dir="2700000" algn="tl" rotWithShape="0">
+              <a:prstClr val="black">
+                <a:alpha val="40000"/>
+              </a:prstClr>
+            </a:outerShdw>
+          </a:effectLst>
         </p:spPr>
       </p:pic>
       <p:sp>
         <p:nvSpPr>
-          <p:cNvPr id="13" name="Rounded Rectangular Callout 12"/>
+          <p:cNvPr id="19" name="Rounded Rectangular Callout 18"/>
           <p:cNvSpPr/>
           <p:nvPr/>
         </p:nvSpPr>
         <p:spPr>
           <a:xfrm>
-            <a:off x="340242" y="3945883"/>
+            <a:off x="254181" y="3600310"/>
             <a:ext cx="1977656" cy="512023"/>
           </a:xfrm>
           <a:prstGeom prst="wedgeRoundRectCallout">
@@ -13095,13 +13071,13 @@
       </p:sp>
       <p:sp>
         <p:nvSpPr>
-          <p:cNvPr id="14" name="Rounded Rectangular Callout 13"/>
+          <p:cNvPr id="20" name="Rounded Rectangular Callout 19"/>
           <p:cNvSpPr/>
           <p:nvPr/>
         </p:nvSpPr>
         <p:spPr>
           <a:xfrm>
-            <a:off x="308344" y="4919394"/>
+            <a:off x="222283" y="4573821"/>
             <a:ext cx="2083981" cy="512023"/>
           </a:xfrm>
           <a:prstGeom prst="wedgeRoundRectCallout">
@@ -13183,9 +13159,113 @@
           <a:chExt cx="0" cy="0"/>
         </a:xfrm>
       </p:grpSpPr>
+      <p:sp>
+        <p:nvSpPr>
+          <p:cNvPr id="12" name="Title 11"/>
+          <p:cNvSpPr>
+            <a:spLocks noGrp="1"/>
+          </p:cNvSpPr>
+          <p:nvPr>
+            <p:ph type="title"/>
+          </p:nvPr>
+        </p:nvSpPr>
+        <p:spPr>
+          <a:xfrm>
+            <a:off x="0" y="0"/>
+            <a:ext cx="9144000" cy="1128885"/>
+          </a:xfrm>
+        </p:spPr>
+        <p:txBody>
+          <a:bodyPr>
+            <a:normAutofit/>
+          </a:bodyPr>
+          <a:lstStyle/>
+          <a:p>
+            <a:r>
+              <a:rPr lang="en-US" dirty="0" smtClean="0"/>
+              <a:t>Parameterize the </a:t>
+            </a:r>
+            <a:r>
+              <a:rPr lang="en-US" dirty="0" smtClean="0"/>
+              <a:t>Jenkins project</a:t>
+            </a:r>
+            <a:endParaRPr lang="en-US" dirty="0"/>
+          </a:p>
+        </p:txBody>
+      </p:sp>
+      <p:sp>
+        <p:nvSpPr>
+          <p:cNvPr id="2" name="Date Placeholder 1"/>
+          <p:cNvSpPr>
+            <a:spLocks noGrp="1"/>
+          </p:cNvSpPr>
+          <p:nvPr>
+            <p:ph type="dt" sz="half" idx="10"/>
+          </p:nvPr>
+        </p:nvSpPr>
+        <p:spPr/>
+        <p:txBody>
+          <a:bodyPr/>
+          <a:lstStyle/>
+          <a:p>
+            <a:fld id="{7F11782B-4B76-8A4A-B6F7-B07ED27A5818}" type="datetime1">
+              <a:rPr lang="en-US" smtClean="0"/>
+              <a:t>7/7/16</a:t>
+            </a:fld>
+            <a:endParaRPr lang="en-US" dirty="0"/>
+          </a:p>
+        </p:txBody>
+      </p:sp>
+      <p:sp>
+        <p:nvSpPr>
+          <p:cNvPr id="3" name="Footer Placeholder 2"/>
+          <p:cNvSpPr>
+            <a:spLocks noGrp="1"/>
+          </p:cNvSpPr>
+          <p:nvPr>
+            <p:ph type="ftr" sz="quarter" idx="11"/>
+          </p:nvPr>
+        </p:nvSpPr>
+        <p:spPr/>
+        <p:txBody>
+          <a:bodyPr/>
+          <a:lstStyle/>
+          <a:p>
+            <a:r>
+              <a:rPr lang="en-US" dirty="0" smtClean="0"/>
+              <a:t>© 2015 Acumen Solutions. All Rights Reserved. www.acumensolutions.com</a:t>
+            </a:r>
+            <a:endParaRPr lang="en-US" dirty="0"/>
+          </a:p>
+        </p:txBody>
+      </p:sp>
+      <p:sp>
+        <p:nvSpPr>
+          <p:cNvPr id="4" name="Slide Number Placeholder 3"/>
+          <p:cNvSpPr>
+            <a:spLocks noGrp="1"/>
+          </p:cNvSpPr>
+          <p:nvPr>
+            <p:ph type="sldNum" sz="quarter" idx="12"/>
+          </p:nvPr>
+        </p:nvSpPr>
+        <p:spPr/>
+        <p:txBody>
+          <a:bodyPr/>
+          <a:lstStyle/>
+          <a:p>
+            <a:fld id="{53F68A06-275E-CE4C-BA78-E3B37C610B5F}" type="slidenum">
+              <a:rPr lang="en-US" smtClean="0"/>
+              <a:pPr/>
+              <a:t>6</a:t>
+            </a:fld>
+            <a:endParaRPr lang="en-US" dirty="0"/>
+          </a:p>
+        </p:txBody>
+      </p:sp>
       <p:pic>
         <p:nvPicPr>
-          <p:cNvPr id="5" name="Picture 4"/>
+          <p:cNvPr id="11" name="Picture 10"/>
           <p:cNvPicPr>
             <a:picLocks noChangeAspect="1"/>
           </p:cNvPicPr>
@@ -13205,129 +13285,36 @@
         </p:blipFill>
         <p:spPr>
           <a:xfrm>
-            <a:off x="457199" y="1838194"/>
-            <a:ext cx="7965213" cy="3265433"/>
+            <a:off x="1350335" y="1954909"/>
+            <a:ext cx="7336465" cy="3481832"/>
           </a:xfrm>
           <a:prstGeom prst="rect">
             <a:avLst/>
           </a:prstGeom>
+          <a:effectLst>
+            <a:outerShdw blurRad="50800" dist="38100" dir="2700000" algn="tl" rotWithShape="0">
+              <a:prstClr val="black">
+                <a:alpha val="40000"/>
+              </a:prstClr>
+            </a:outerShdw>
+          </a:effectLst>
         </p:spPr>
       </p:pic>
       <p:sp>
         <p:nvSpPr>
-          <p:cNvPr id="12" name="Title 11"/>
-          <p:cNvSpPr>
-            <a:spLocks noGrp="1"/>
-          </p:cNvSpPr>
-          <p:nvPr>
-            <p:ph type="title"/>
-          </p:nvPr>
-        </p:nvSpPr>
-        <p:spPr>
-          <a:xfrm>
-            <a:off x="0" y="0"/>
-            <a:ext cx="9144000" cy="1128885"/>
-          </a:xfrm>
-        </p:spPr>
-        <p:txBody>
-          <a:bodyPr>
-            <a:normAutofit/>
-          </a:bodyPr>
-          <a:lstStyle/>
-          <a:p>
-            <a:r>
-              <a:rPr lang="en-US" dirty="0" smtClean="0"/>
-              <a:t>Point project to GitHub release</a:t>
-            </a:r>
-            <a:endParaRPr lang="en-US" dirty="0"/>
-          </a:p>
-        </p:txBody>
-      </p:sp>
-      <p:sp>
-        <p:nvSpPr>
-          <p:cNvPr id="2" name="Date Placeholder 1"/>
-          <p:cNvSpPr>
-            <a:spLocks noGrp="1"/>
-          </p:cNvSpPr>
-          <p:nvPr>
-            <p:ph type="dt" sz="half" idx="10"/>
-          </p:nvPr>
-        </p:nvSpPr>
-        <p:spPr/>
-        <p:txBody>
-          <a:bodyPr/>
-          <a:lstStyle/>
-          <a:p>
-            <a:fld id="{7F11782B-4B76-8A4A-B6F7-B07ED27A5818}" type="datetime1">
-              <a:rPr lang="en-US" smtClean="0"/>
-              <a:t>5/23/16</a:t>
-            </a:fld>
-            <a:endParaRPr lang="en-US" dirty="0"/>
-          </a:p>
-        </p:txBody>
-      </p:sp>
-      <p:sp>
-        <p:nvSpPr>
-          <p:cNvPr id="3" name="Footer Placeholder 2"/>
-          <p:cNvSpPr>
-            <a:spLocks noGrp="1"/>
-          </p:cNvSpPr>
-          <p:nvPr>
-            <p:ph type="ftr" sz="quarter" idx="11"/>
-          </p:nvPr>
-        </p:nvSpPr>
-        <p:spPr/>
-        <p:txBody>
-          <a:bodyPr/>
-          <a:lstStyle/>
-          <a:p>
-            <a:r>
-              <a:rPr lang="en-US" dirty="0" smtClean="0"/>
-              <a:t>© 2015 Acumen Solutions. All Rights Reserved. www.acumensolutions.com</a:t>
-            </a:r>
-            <a:endParaRPr lang="en-US" dirty="0"/>
-          </a:p>
-        </p:txBody>
-      </p:sp>
-      <p:sp>
-        <p:nvSpPr>
-          <p:cNvPr id="4" name="Slide Number Placeholder 3"/>
-          <p:cNvSpPr>
-            <a:spLocks noGrp="1"/>
-          </p:cNvSpPr>
-          <p:nvPr>
-            <p:ph type="sldNum" sz="quarter" idx="12"/>
-          </p:nvPr>
-        </p:nvSpPr>
-        <p:spPr/>
-        <p:txBody>
-          <a:bodyPr/>
-          <a:lstStyle/>
-          <a:p>
-            <a:fld id="{53F68A06-275E-CE4C-BA78-E3B37C610B5F}" type="slidenum">
-              <a:rPr lang="en-US" smtClean="0"/>
-              <a:pPr/>
-              <a:t>6</a:t>
-            </a:fld>
-            <a:endParaRPr lang="en-US" dirty="0"/>
-          </a:p>
-        </p:txBody>
-      </p:sp>
-      <p:sp>
-        <p:nvSpPr>
-          <p:cNvPr id="14" name="Rounded Rectangular Callout 13"/>
+          <p:cNvPr id="13" name="Rounded Rectangular Callout 12"/>
           <p:cNvSpPr/>
           <p:nvPr/>
         </p:nvSpPr>
         <p:spPr>
           <a:xfrm>
-            <a:off x="6243084" y="2413591"/>
-            <a:ext cx="2083981" cy="665127"/>
+            <a:off x="340242" y="2977695"/>
+            <a:ext cx="1977656" cy="512023"/>
           </a:xfrm>
           <a:prstGeom prst="wedgeRoundRectCallout">
             <a:avLst>
-              <a:gd name="adj1" fmla="val -111455"/>
-              <a:gd name="adj2" fmla="val 81766"/>
+              <a:gd name="adj1" fmla="val 59238"/>
+              <a:gd name="adj2" fmla="val -125893"/>
               <a:gd name="adj3" fmla="val 16667"/>
             </a:avLst>
           </a:prstGeom>
@@ -13353,21 +13340,7 @@
             <a:pPr algn="ctr"/>
             <a:r>
               <a:rPr lang="en-US" sz="1200" dirty="0" smtClean="0"/>
-              <a:t>Credentials can be </a:t>
-            </a:r>
-          </a:p>
-          <a:p>
-            <a:pPr algn="ctr"/>
-            <a:r>
-              <a:rPr lang="en-US" sz="1200" dirty="0" smtClean="0"/>
-              <a:t>ID / Password</a:t>
-            </a:r>
-          </a:p>
-          <a:p>
-            <a:pPr algn="ctr"/>
-            <a:r>
-              <a:rPr lang="en-US" sz="1200" dirty="0" smtClean="0"/>
-              <a:t>or SSH</a:t>
+              <a:t>Add parameters for username and password</a:t>
             </a:r>
             <a:endParaRPr lang="en-US" sz="1200" dirty="0"/>
           </a:p>
@@ -13375,19 +13348,19 @@
       </p:sp>
       <p:sp>
         <p:nvSpPr>
-          <p:cNvPr id="15" name="Rounded Rectangular Callout 14"/>
+          <p:cNvPr id="14" name="Rounded Rectangular Callout 13"/>
           <p:cNvSpPr/>
           <p:nvPr/>
         </p:nvSpPr>
         <p:spPr>
           <a:xfrm>
-            <a:off x="4977809" y="5013897"/>
-            <a:ext cx="2083981" cy="665127"/>
+            <a:off x="308344" y="3951206"/>
+            <a:ext cx="2083981" cy="512023"/>
           </a:xfrm>
           <a:prstGeom prst="wedgeRoundRectCallout">
             <a:avLst>
-              <a:gd name="adj1" fmla="val -97169"/>
-              <a:gd name="adj2" fmla="val -161218"/>
+              <a:gd name="adj1" fmla="val 58443"/>
+              <a:gd name="adj2" fmla="val 19468"/>
               <a:gd name="adj3" fmla="val 16667"/>
             </a:avLst>
           </a:prstGeom>
@@ -13413,7 +13386,14 @@
             <a:pPr algn="ctr"/>
             <a:r>
               <a:rPr lang="en-US" sz="1200" dirty="0" smtClean="0"/>
-              <a:t>This should be your release branch</a:t>
+              <a:t>Password will be </a:t>
+            </a:r>
+          </a:p>
+          <a:p>
+            <a:pPr algn="ctr"/>
+            <a:r>
+              <a:rPr lang="en-US" sz="1200" dirty="0" smtClean="0"/>
+              <a:t>Password + security token</a:t>
             </a:r>
             <a:endParaRPr lang="en-US" sz="1200" dirty="0"/>
           </a:p>
@@ -13422,7 +13402,7 @@
     </p:spTree>
     <p:extLst>
       <p:ext uri="{BB962C8B-B14F-4D97-AF65-F5344CB8AC3E}">
-        <p14:creationId xmlns:p14="http://schemas.microsoft.com/office/powerpoint/2010/main" val="338153800"/>
+        <p14:creationId xmlns:p14="http://schemas.microsoft.com/office/powerpoint/2010/main" val="1833506843"/>
       </p:ext>
     </p:extLst>
   </p:cSld>
@@ -13440,225 +13420,6 @@
 </file>
 
 <file path=ppt/slides/slide7.xml><?xml version="1.0" encoding="utf-8"?>
-<p:sld xmlns:a="http://schemas.openxmlformats.org/drawingml/2006/main" xmlns:r="http://schemas.openxmlformats.org/officeDocument/2006/relationships" xmlns:p="http://schemas.openxmlformats.org/presentationml/2006/main">
-  <p:cSld>
-    <p:spTree>
-      <p:nvGrpSpPr>
-        <p:cNvPr id="1" name=""/>
-        <p:cNvGrpSpPr/>
-        <p:nvPr/>
-      </p:nvGrpSpPr>
-      <p:grpSpPr>
-        <a:xfrm>
-          <a:off x="0" y="0"/>
-          <a:ext cx="0" cy="0"/>
-          <a:chOff x="0" y="0"/>
-          <a:chExt cx="0" cy="0"/>
-        </a:xfrm>
-      </p:grpSpPr>
-      <p:sp>
-        <p:nvSpPr>
-          <p:cNvPr id="12" name="Title 11"/>
-          <p:cNvSpPr>
-            <a:spLocks noGrp="1"/>
-          </p:cNvSpPr>
-          <p:nvPr>
-            <p:ph type="title"/>
-          </p:nvPr>
-        </p:nvSpPr>
-        <p:spPr>
-          <a:xfrm>
-            <a:off x="0" y="0"/>
-            <a:ext cx="9144000" cy="1128885"/>
-          </a:xfrm>
-        </p:spPr>
-        <p:txBody>
-          <a:bodyPr>
-            <a:normAutofit/>
-          </a:bodyPr>
-          <a:lstStyle/>
-          <a:p>
-            <a:r>
-              <a:rPr lang="en-US" dirty="0" smtClean="0"/>
-              <a:t>Build.xml automatically runs deployCodeCheckOnly</a:t>
-            </a:r>
-            <a:endParaRPr lang="en-US" dirty="0"/>
-          </a:p>
-        </p:txBody>
-      </p:sp>
-      <p:sp>
-        <p:nvSpPr>
-          <p:cNvPr id="2" name="Date Placeholder 1"/>
-          <p:cNvSpPr>
-            <a:spLocks noGrp="1"/>
-          </p:cNvSpPr>
-          <p:nvPr>
-            <p:ph type="dt" sz="half" idx="10"/>
-          </p:nvPr>
-        </p:nvSpPr>
-        <p:spPr/>
-        <p:txBody>
-          <a:bodyPr/>
-          <a:lstStyle/>
-          <a:p>
-            <a:fld id="{7F11782B-4B76-8A4A-B6F7-B07ED27A5818}" type="datetime1">
-              <a:rPr lang="en-US" smtClean="0"/>
-              <a:t>5/23/16</a:t>
-            </a:fld>
-            <a:endParaRPr lang="en-US" dirty="0"/>
-          </a:p>
-        </p:txBody>
-      </p:sp>
-      <p:sp>
-        <p:nvSpPr>
-          <p:cNvPr id="3" name="Footer Placeholder 2"/>
-          <p:cNvSpPr>
-            <a:spLocks noGrp="1"/>
-          </p:cNvSpPr>
-          <p:nvPr>
-            <p:ph type="ftr" sz="quarter" idx="11"/>
-          </p:nvPr>
-        </p:nvSpPr>
-        <p:spPr/>
-        <p:txBody>
-          <a:bodyPr/>
-          <a:lstStyle/>
-          <a:p>
-            <a:r>
-              <a:rPr lang="en-US" dirty="0" smtClean="0"/>
-              <a:t>© 2015 Acumen Solutions. All Rights Reserved. www.acumensolutions.com</a:t>
-            </a:r>
-            <a:endParaRPr lang="en-US" dirty="0"/>
-          </a:p>
-        </p:txBody>
-      </p:sp>
-      <p:sp>
-        <p:nvSpPr>
-          <p:cNvPr id="4" name="Slide Number Placeholder 3"/>
-          <p:cNvSpPr>
-            <a:spLocks noGrp="1"/>
-          </p:cNvSpPr>
-          <p:nvPr>
-            <p:ph type="sldNum" sz="quarter" idx="12"/>
-          </p:nvPr>
-        </p:nvSpPr>
-        <p:spPr/>
-        <p:txBody>
-          <a:bodyPr/>
-          <a:lstStyle/>
-          <a:p>
-            <a:fld id="{53F68A06-275E-CE4C-BA78-E3B37C610B5F}" type="slidenum">
-              <a:rPr lang="en-US" smtClean="0"/>
-              <a:pPr/>
-              <a:t>7</a:t>
-            </a:fld>
-            <a:endParaRPr lang="en-US" dirty="0"/>
-          </a:p>
-        </p:txBody>
-      </p:sp>
-      <p:pic>
-        <p:nvPicPr>
-          <p:cNvPr id="6" name="Picture 5"/>
-          <p:cNvPicPr>
-            <a:picLocks noChangeAspect="1"/>
-          </p:cNvPicPr>
-          <p:nvPr/>
-        </p:nvPicPr>
-        <p:blipFill>
-          <a:blip r:embed="rId2">
-            <a:extLst>
-              <a:ext uri="{28A0092B-C50C-407E-A947-70E740481C1C}">
-                <a14:useLocalDpi xmlns:a14="http://schemas.microsoft.com/office/drawing/2010/main" val="0"/>
-              </a:ext>
-            </a:extLst>
-          </a:blip>
-          <a:stretch>
-            <a:fillRect/>
-          </a:stretch>
-        </p:blipFill>
-        <p:spPr>
-          <a:xfrm>
-            <a:off x="457200" y="1663714"/>
-            <a:ext cx="8861637" cy="1919457"/>
-          </a:xfrm>
-          <a:prstGeom prst="rect">
-            <a:avLst/>
-          </a:prstGeom>
-        </p:spPr>
-      </p:pic>
-      <p:sp>
-        <p:nvSpPr>
-          <p:cNvPr id="15" name="Rounded Rectangular Callout 14"/>
-          <p:cNvSpPr/>
-          <p:nvPr/>
-        </p:nvSpPr>
-        <p:spPr>
-          <a:xfrm>
-            <a:off x="4888018" y="3583171"/>
-            <a:ext cx="2083981" cy="665127"/>
-          </a:xfrm>
-          <a:prstGeom prst="wedgeRoundRectCallout">
-            <a:avLst>
-              <a:gd name="adj1" fmla="val -97169"/>
-              <a:gd name="adj2" fmla="val -161218"/>
-              <a:gd name="adj3" fmla="val 16667"/>
-            </a:avLst>
-          </a:prstGeom>
-        </p:spPr>
-        <p:style>
-          <a:lnRef idx="1">
-            <a:schemeClr val="accent1"/>
-          </a:lnRef>
-          <a:fillRef idx="3">
-            <a:schemeClr val="accent1"/>
-          </a:fillRef>
-          <a:effectRef idx="2">
-            <a:schemeClr val="accent1"/>
-          </a:effectRef>
-          <a:fontRef idx="minor">
-            <a:schemeClr val="lt1"/>
-          </a:fontRef>
-        </p:style>
-        <p:txBody>
-          <a:bodyPr rtlCol="0" anchor="ctr"/>
-          <a:lstStyle/>
-          <a:p>
-            <a:pPr algn="ctr"/>
-            <a:r>
-              <a:rPr lang="en-US" sz="1200" dirty="0" smtClean="0"/>
-              <a:t>Optional: type “deployCodeCheckOnly”</a:t>
-            </a:r>
-          </a:p>
-          <a:p>
-            <a:pPr algn="ctr"/>
-            <a:r>
-              <a:rPr lang="en-US" sz="1200" dirty="0" smtClean="0"/>
-              <a:t>Into Targets</a:t>
-            </a:r>
-          </a:p>
-        </p:txBody>
-      </p:sp>
-    </p:spTree>
-    <p:extLst>
-      <p:ext uri="{BB962C8B-B14F-4D97-AF65-F5344CB8AC3E}">
-        <p14:creationId xmlns:p14="http://schemas.microsoft.com/office/powerpoint/2010/main" val="767392722"/>
-      </p:ext>
-    </p:extLst>
-  </p:cSld>
-  <p:clrMapOvr>
-    <a:masterClrMapping/>
-  </p:clrMapOvr>
-  <p:timing>
-    <p:tnLst>
-      <p:par>
-        <p:cTn id="1" dur="indefinite" restart="never" nodeType="tmRoot"/>
-      </p:par>
-    </p:tnLst>
-  </p:timing>
-</p:sld>
-</file>
-
-<file path=ppt/slides/slide8.xml><?xml version="1.0" encoding="utf-8"?>
 <p:sld xmlns:a="http://schemas.openxmlformats.org/drawingml/2006/main" xmlns:r="http://schemas.openxmlformats.org/officeDocument/2006/relationships" xmlns:p="http://schemas.openxmlformats.org/presentationml/2006/main">
   <p:cSld>
     <p:spTree>
@@ -13697,12 +13458,19 @@
         </p:blipFill>
         <p:spPr>
           <a:xfrm>
-            <a:off x="723013" y="876997"/>
-            <a:ext cx="7634177" cy="5412347"/>
+            <a:off x="457199" y="1838194"/>
+            <a:ext cx="7965213" cy="3265433"/>
           </a:xfrm>
           <a:prstGeom prst="rect">
             <a:avLst/>
           </a:prstGeom>
+          <a:effectLst>
+            <a:outerShdw blurRad="50800" dist="38100" dir="2700000" algn="tl" rotWithShape="0">
+              <a:prstClr val="black">
+                <a:alpha val="40000"/>
+              </a:prstClr>
+            </a:outerShdw>
+          </a:effectLst>
         </p:spPr>
       </p:pic>
       <p:sp>
@@ -13729,7 +13497,7 @@
           <a:p>
             <a:r>
               <a:rPr lang="en-US" dirty="0" smtClean="0"/>
-              <a:t>Run the project!</a:t>
+              <a:t>Point project to GitHub release</a:t>
             </a:r>
             <a:endParaRPr lang="en-US" dirty="0"/>
           </a:p>
@@ -13752,7 +13520,250 @@
           <a:p>
             <a:fld id="{7F11782B-4B76-8A4A-B6F7-B07ED27A5818}" type="datetime1">
               <a:rPr lang="en-US" smtClean="0"/>
-              <a:t>5/23/16</a:t>
+              <a:t>7/7/16</a:t>
+            </a:fld>
+            <a:endParaRPr lang="en-US" dirty="0"/>
+          </a:p>
+        </p:txBody>
+      </p:sp>
+      <p:sp>
+        <p:nvSpPr>
+          <p:cNvPr id="3" name="Footer Placeholder 2"/>
+          <p:cNvSpPr>
+            <a:spLocks noGrp="1"/>
+          </p:cNvSpPr>
+          <p:nvPr>
+            <p:ph type="ftr" sz="quarter" idx="11"/>
+          </p:nvPr>
+        </p:nvSpPr>
+        <p:spPr/>
+        <p:txBody>
+          <a:bodyPr/>
+          <a:lstStyle/>
+          <a:p>
+            <a:r>
+              <a:rPr lang="en-US" dirty="0" smtClean="0"/>
+              <a:t>© 2015 Acumen Solutions. All Rights Reserved. www.acumensolutions.com</a:t>
+            </a:r>
+            <a:endParaRPr lang="en-US" dirty="0"/>
+          </a:p>
+        </p:txBody>
+      </p:sp>
+      <p:sp>
+        <p:nvSpPr>
+          <p:cNvPr id="4" name="Slide Number Placeholder 3"/>
+          <p:cNvSpPr>
+            <a:spLocks noGrp="1"/>
+          </p:cNvSpPr>
+          <p:nvPr>
+            <p:ph type="sldNum" sz="quarter" idx="12"/>
+          </p:nvPr>
+        </p:nvSpPr>
+        <p:spPr/>
+        <p:txBody>
+          <a:bodyPr/>
+          <a:lstStyle/>
+          <a:p>
+            <a:fld id="{53F68A06-275E-CE4C-BA78-E3B37C610B5F}" type="slidenum">
+              <a:rPr lang="en-US" smtClean="0"/>
+              <a:pPr/>
+              <a:t>7</a:t>
+            </a:fld>
+            <a:endParaRPr lang="en-US" dirty="0"/>
+          </a:p>
+        </p:txBody>
+      </p:sp>
+      <p:sp>
+        <p:nvSpPr>
+          <p:cNvPr id="14" name="Rounded Rectangular Callout 13"/>
+          <p:cNvSpPr/>
+          <p:nvPr/>
+        </p:nvSpPr>
+        <p:spPr>
+          <a:xfrm>
+            <a:off x="6243084" y="2413591"/>
+            <a:ext cx="2083981" cy="665127"/>
+          </a:xfrm>
+          <a:prstGeom prst="wedgeRoundRectCallout">
+            <a:avLst>
+              <a:gd name="adj1" fmla="val -111455"/>
+              <a:gd name="adj2" fmla="val 81766"/>
+              <a:gd name="adj3" fmla="val 16667"/>
+            </a:avLst>
+          </a:prstGeom>
+        </p:spPr>
+        <p:style>
+          <a:lnRef idx="1">
+            <a:schemeClr val="accent1"/>
+          </a:lnRef>
+          <a:fillRef idx="3">
+            <a:schemeClr val="accent1"/>
+          </a:fillRef>
+          <a:effectRef idx="2">
+            <a:schemeClr val="accent1"/>
+          </a:effectRef>
+          <a:fontRef idx="minor">
+            <a:schemeClr val="lt1"/>
+          </a:fontRef>
+        </p:style>
+        <p:txBody>
+          <a:bodyPr rtlCol="0" anchor="ctr"/>
+          <a:lstStyle/>
+          <a:p>
+            <a:pPr algn="ctr"/>
+            <a:r>
+              <a:rPr lang="en-US" sz="1200" dirty="0" smtClean="0"/>
+              <a:t>Credentials can be </a:t>
+            </a:r>
+          </a:p>
+          <a:p>
+            <a:pPr algn="ctr"/>
+            <a:r>
+              <a:rPr lang="en-US" sz="1200" dirty="0" smtClean="0"/>
+              <a:t>ID / Password</a:t>
+            </a:r>
+          </a:p>
+          <a:p>
+            <a:pPr algn="ctr"/>
+            <a:r>
+              <a:rPr lang="en-US" sz="1200" dirty="0" smtClean="0"/>
+              <a:t>or SSH</a:t>
+            </a:r>
+            <a:endParaRPr lang="en-US" sz="1200" dirty="0"/>
+          </a:p>
+        </p:txBody>
+      </p:sp>
+      <p:sp>
+        <p:nvSpPr>
+          <p:cNvPr id="15" name="Rounded Rectangular Callout 14"/>
+          <p:cNvSpPr/>
+          <p:nvPr/>
+        </p:nvSpPr>
+        <p:spPr>
+          <a:xfrm>
+            <a:off x="4977809" y="5013897"/>
+            <a:ext cx="2083981" cy="665127"/>
+          </a:xfrm>
+          <a:prstGeom prst="wedgeRoundRectCallout">
+            <a:avLst>
+              <a:gd name="adj1" fmla="val -97169"/>
+              <a:gd name="adj2" fmla="val -161218"/>
+              <a:gd name="adj3" fmla="val 16667"/>
+            </a:avLst>
+          </a:prstGeom>
+        </p:spPr>
+        <p:style>
+          <a:lnRef idx="1">
+            <a:schemeClr val="accent1"/>
+          </a:lnRef>
+          <a:fillRef idx="3">
+            <a:schemeClr val="accent1"/>
+          </a:fillRef>
+          <a:effectRef idx="2">
+            <a:schemeClr val="accent1"/>
+          </a:effectRef>
+          <a:fontRef idx="minor">
+            <a:schemeClr val="lt1"/>
+          </a:fontRef>
+        </p:style>
+        <p:txBody>
+          <a:bodyPr rtlCol="0" anchor="ctr"/>
+          <a:lstStyle/>
+          <a:p>
+            <a:pPr algn="ctr"/>
+            <a:r>
+              <a:rPr lang="en-US" sz="1200" dirty="0" smtClean="0"/>
+              <a:t>This should be your release branch</a:t>
+            </a:r>
+            <a:endParaRPr lang="en-US" sz="1200" dirty="0"/>
+          </a:p>
+        </p:txBody>
+      </p:sp>
+    </p:spTree>
+    <p:extLst>
+      <p:ext uri="{BB962C8B-B14F-4D97-AF65-F5344CB8AC3E}">
+        <p14:creationId xmlns:p14="http://schemas.microsoft.com/office/powerpoint/2010/main" val="338153800"/>
+      </p:ext>
+    </p:extLst>
+  </p:cSld>
+  <p:clrMapOvr>
+    <a:masterClrMapping/>
+  </p:clrMapOvr>
+  <p:timing>
+    <p:tnLst>
+      <p:par>
+        <p:cTn id="1" dur="indefinite" restart="never" nodeType="tmRoot"/>
+      </p:par>
+    </p:tnLst>
+  </p:timing>
+</p:sld>
+</file>
+
+<file path=ppt/slides/slide8.xml><?xml version="1.0" encoding="utf-8"?>
+<p:sld xmlns:a="http://schemas.openxmlformats.org/drawingml/2006/main" xmlns:r="http://schemas.openxmlformats.org/officeDocument/2006/relationships" xmlns:p="http://schemas.openxmlformats.org/presentationml/2006/main">
+  <p:cSld>
+    <p:spTree>
+      <p:nvGrpSpPr>
+        <p:cNvPr id="1" name=""/>
+        <p:cNvGrpSpPr/>
+        <p:nvPr/>
+      </p:nvGrpSpPr>
+      <p:grpSpPr>
+        <a:xfrm>
+          <a:off x="0" y="0"/>
+          <a:ext cx="0" cy="0"/>
+          <a:chOff x="0" y="0"/>
+          <a:chExt cx="0" cy="0"/>
+        </a:xfrm>
+      </p:grpSpPr>
+      <p:sp>
+        <p:nvSpPr>
+          <p:cNvPr id="12" name="Title 11"/>
+          <p:cNvSpPr>
+            <a:spLocks noGrp="1"/>
+          </p:cNvSpPr>
+          <p:nvPr>
+            <p:ph type="title"/>
+          </p:nvPr>
+        </p:nvSpPr>
+        <p:spPr>
+          <a:xfrm>
+            <a:off x="0" y="0"/>
+            <a:ext cx="9144000" cy="1128885"/>
+          </a:xfrm>
+        </p:spPr>
+        <p:txBody>
+          <a:bodyPr>
+            <a:normAutofit/>
+          </a:bodyPr>
+          <a:lstStyle/>
+          <a:p>
+            <a:r>
+              <a:rPr lang="en-US" dirty="0" smtClean="0"/>
+              <a:t>Build.xml automatically runs deployCodeCheckOnly</a:t>
+            </a:r>
+            <a:endParaRPr lang="en-US" dirty="0"/>
+          </a:p>
+        </p:txBody>
+      </p:sp>
+      <p:sp>
+        <p:nvSpPr>
+          <p:cNvPr id="2" name="Date Placeholder 1"/>
+          <p:cNvSpPr>
+            <a:spLocks noGrp="1"/>
+          </p:cNvSpPr>
+          <p:nvPr>
+            <p:ph type="dt" sz="half" idx="10"/>
+          </p:nvPr>
+        </p:nvSpPr>
+        <p:spPr/>
+        <p:txBody>
+          <a:bodyPr/>
+          <a:lstStyle/>
+          <a:p>
+            <a:fld id="{7F11782B-4B76-8A4A-B6F7-B07ED27A5818}" type="datetime1">
+              <a:rPr lang="en-US" smtClean="0"/>
+              <a:t>7/7/16</a:t>
             </a:fld>
             <a:endParaRPr lang="en-US" dirty="0"/>
           </a:p>
@@ -13805,6 +13816,293 @@
           </a:p>
         </p:txBody>
       </p:sp>
+      <p:pic>
+        <p:nvPicPr>
+          <p:cNvPr id="6" name="Picture 5"/>
+          <p:cNvPicPr>
+            <a:picLocks noChangeAspect="1"/>
+          </p:cNvPicPr>
+          <p:nvPr/>
+        </p:nvPicPr>
+        <p:blipFill>
+          <a:blip r:embed="rId2">
+            <a:extLst>
+              <a:ext uri="{28A0092B-C50C-407E-A947-70E740481C1C}">
+                <a14:useLocalDpi xmlns:a14="http://schemas.microsoft.com/office/drawing/2010/main" val="0"/>
+              </a:ext>
+            </a:extLst>
+          </a:blip>
+          <a:stretch>
+            <a:fillRect/>
+          </a:stretch>
+        </p:blipFill>
+        <p:spPr>
+          <a:xfrm>
+            <a:off x="457200" y="1663715"/>
+            <a:ext cx="7800347" cy="1689578"/>
+          </a:xfrm>
+          <a:prstGeom prst="rect">
+            <a:avLst/>
+          </a:prstGeom>
+          <a:effectLst>
+            <a:outerShdw blurRad="50800" dist="38100" dir="2700000" algn="tl" rotWithShape="0">
+              <a:prstClr val="black">
+                <a:alpha val="40000"/>
+              </a:prstClr>
+            </a:outerShdw>
+          </a:effectLst>
+        </p:spPr>
+      </p:pic>
+      <p:pic>
+        <p:nvPicPr>
+          <p:cNvPr id="5" name="Picture 4"/>
+          <p:cNvPicPr>
+            <a:picLocks noChangeAspect="1"/>
+          </p:cNvPicPr>
+          <p:nvPr/>
+        </p:nvPicPr>
+        <p:blipFill>
+          <a:blip r:embed="rId3">
+            <a:extLst>
+              <a:ext uri="{28A0092B-C50C-407E-A947-70E740481C1C}">
+                <a14:useLocalDpi xmlns:a14="http://schemas.microsoft.com/office/drawing/2010/main" val="0"/>
+              </a:ext>
+            </a:extLst>
+          </a:blip>
+          <a:stretch>
+            <a:fillRect/>
+          </a:stretch>
+        </p:blipFill>
+        <p:spPr>
+          <a:xfrm>
+            <a:off x="781334" y="3797450"/>
+            <a:ext cx="7476213" cy="1725280"/>
+          </a:xfrm>
+          <a:prstGeom prst="rect">
+            <a:avLst/>
+          </a:prstGeom>
+          <a:effectLst>
+            <a:outerShdw blurRad="50800" dist="38100" dir="2700000" algn="tl" rotWithShape="0">
+              <a:prstClr val="black">
+                <a:alpha val="40000"/>
+              </a:prstClr>
+            </a:outerShdw>
+          </a:effectLst>
+        </p:spPr>
+      </p:pic>
+      <p:sp>
+        <p:nvSpPr>
+          <p:cNvPr id="10" name="Rounded Rectangular Callout 9"/>
+          <p:cNvSpPr/>
+          <p:nvPr/>
+        </p:nvSpPr>
+        <p:spPr>
+          <a:xfrm>
+            <a:off x="4469219" y="5522778"/>
+            <a:ext cx="2083981" cy="665127"/>
+          </a:xfrm>
+          <a:prstGeom prst="wedgeRoundRectCallout">
+            <a:avLst>
+              <a:gd name="adj1" fmla="val -81167"/>
+              <a:gd name="adj2" fmla="val -149897"/>
+              <a:gd name="adj3" fmla="val 16667"/>
+            </a:avLst>
+          </a:prstGeom>
+        </p:spPr>
+        <p:style>
+          <a:lnRef idx="1">
+            <a:schemeClr val="accent1"/>
+          </a:lnRef>
+          <a:fillRef idx="3">
+            <a:schemeClr val="accent1"/>
+          </a:fillRef>
+          <a:effectRef idx="2">
+            <a:schemeClr val="accent1"/>
+          </a:effectRef>
+          <a:fontRef idx="minor">
+            <a:schemeClr val="lt1"/>
+          </a:fontRef>
+        </p:style>
+        <p:txBody>
+          <a:bodyPr rtlCol="0" anchor="ctr"/>
+          <a:lstStyle/>
+          <a:p>
+            <a:pPr algn="ctr"/>
+            <a:r>
+              <a:rPr lang="en-US" sz="1200" dirty="0" smtClean="0"/>
+              <a:t>Notify build manager if validation fails</a:t>
+            </a:r>
+            <a:endParaRPr lang="en-US" sz="1200" dirty="0"/>
+          </a:p>
+        </p:txBody>
+      </p:sp>
+    </p:spTree>
+    <p:extLst>
+      <p:ext uri="{BB962C8B-B14F-4D97-AF65-F5344CB8AC3E}">
+        <p14:creationId xmlns:p14="http://schemas.microsoft.com/office/powerpoint/2010/main" val="767392722"/>
+      </p:ext>
+    </p:extLst>
+  </p:cSld>
+  <p:clrMapOvr>
+    <a:masterClrMapping/>
+  </p:clrMapOvr>
+  <p:timing>
+    <p:tnLst>
+      <p:par>
+        <p:cTn id="1" dur="indefinite" restart="never" nodeType="tmRoot"/>
+      </p:par>
+    </p:tnLst>
+  </p:timing>
+</p:sld>
+</file>
+
+<file path=ppt/slides/slide9.xml><?xml version="1.0" encoding="utf-8"?>
+<p:sld xmlns:a="http://schemas.openxmlformats.org/drawingml/2006/main" xmlns:r="http://schemas.openxmlformats.org/officeDocument/2006/relationships" xmlns:p="http://schemas.openxmlformats.org/presentationml/2006/main">
+  <p:cSld>
+    <p:spTree>
+      <p:nvGrpSpPr>
+        <p:cNvPr id="1" name=""/>
+        <p:cNvGrpSpPr/>
+        <p:nvPr/>
+      </p:nvGrpSpPr>
+      <p:grpSpPr>
+        <a:xfrm>
+          <a:off x="0" y="0"/>
+          <a:ext cx="0" cy="0"/>
+          <a:chOff x="0" y="0"/>
+          <a:chExt cx="0" cy="0"/>
+        </a:xfrm>
+      </p:grpSpPr>
+      <p:pic>
+        <p:nvPicPr>
+          <p:cNvPr id="5" name="Picture 4"/>
+          <p:cNvPicPr>
+            <a:picLocks noChangeAspect="1"/>
+          </p:cNvPicPr>
+          <p:nvPr/>
+        </p:nvPicPr>
+        <p:blipFill>
+          <a:blip r:embed="rId2">
+            <a:extLst>
+              <a:ext uri="{28A0092B-C50C-407E-A947-70E740481C1C}">
+                <a14:useLocalDpi xmlns:a14="http://schemas.microsoft.com/office/drawing/2010/main" val="0"/>
+              </a:ext>
+            </a:extLst>
+          </a:blip>
+          <a:stretch>
+            <a:fillRect/>
+          </a:stretch>
+        </p:blipFill>
+        <p:spPr>
+          <a:xfrm>
+            <a:off x="1393480" y="876997"/>
+            <a:ext cx="6293242" cy="5412347"/>
+          </a:xfrm>
+          <a:prstGeom prst="rect">
+            <a:avLst/>
+          </a:prstGeom>
+        </p:spPr>
+      </p:pic>
+      <p:sp>
+        <p:nvSpPr>
+          <p:cNvPr id="12" name="Title 11"/>
+          <p:cNvSpPr>
+            <a:spLocks noGrp="1"/>
+          </p:cNvSpPr>
+          <p:nvPr>
+            <p:ph type="title"/>
+          </p:nvPr>
+        </p:nvSpPr>
+        <p:spPr>
+          <a:xfrm>
+            <a:off x="0" y="0"/>
+            <a:ext cx="9144000" cy="1128885"/>
+          </a:xfrm>
+        </p:spPr>
+        <p:txBody>
+          <a:bodyPr>
+            <a:normAutofit/>
+          </a:bodyPr>
+          <a:lstStyle/>
+          <a:p>
+            <a:r>
+              <a:rPr lang="en-US" dirty="0" smtClean="0"/>
+              <a:t>Run the project!</a:t>
+            </a:r>
+            <a:endParaRPr lang="en-US" dirty="0"/>
+          </a:p>
+        </p:txBody>
+      </p:sp>
+      <p:sp>
+        <p:nvSpPr>
+          <p:cNvPr id="2" name="Date Placeholder 1"/>
+          <p:cNvSpPr>
+            <a:spLocks noGrp="1"/>
+          </p:cNvSpPr>
+          <p:nvPr>
+            <p:ph type="dt" sz="half" idx="10"/>
+          </p:nvPr>
+        </p:nvSpPr>
+        <p:spPr/>
+        <p:txBody>
+          <a:bodyPr/>
+          <a:lstStyle/>
+          <a:p>
+            <a:fld id="{7F11782B-4B76-8A4A-B6F7-B07ED27A5818}" type="datetime1">
+              <a:rPr lang="en-US" smtClean="0"/>
+              <a:t>7/7/16</a:t>
+            </a:fld>
+            <a:endParaRPr lang="en-US" dirty="0"/>
+          </a:p>
+        </p:txBody>
+      </p:sp>
+      <p:sp>
+        <p:nvSpPr>
+          <p:cNvPr id="3" name="Footer Placeholder 2"/>
+          <p:cNvSpPr>
+            <a:spLocks noGrp="1"/>
+          </p:cNvSpPr>
+          <p:nvPr>
+            <p:ph type="ftr" sz="quarter" idx="11"/>
+          </p:nvPr>
+        </p:nvSpPr>
+        <p:spPr/>
+        <p:txBody>
+          <a:bodyPr/>
+          <a:lstStyle/>
+          <a:p>
+            <a:r>
+              <a:rPr lang="en-US" dirty="0" smtClean="0"/>
+              <a:t>© 2015 Acumen Solutions. All Rights Reserved. www.acumensolutions.com</a:t>
+            </a:r>
+            <a:endParaRPr lang="en-US" dirty="0"/>
+          </a:p>
+        </p:txBody>
+      </p:sp>
+      <p:sp>
+        <p:nvSpPr>
+          <p:cNvPr id="4" name="Slide Number Placeholder 3"/>
+          <p:cNvSpPr>
+            <a:spLocks noGrp="1"/>
+          </p:cNvSpPr>
+          <p:nvPr>
+            <p:ph type="sldNum" sz="quarter" idx="12"/>
+          </p:nvPr>
+        </p:nvSpPr>
+        <p:spPr/>
+        <p:txBody>
+          <a:bodyPr/>
+          <a:lstStyle/>
+          <a:p>
+            <a:fld id="{53F68A06-275E-CE4C-BA78-E3B37C610B5F}" type="slidenum">
+              <a:rPr lang="en-US" smtClean="0"/>
+              <a:pPr/>
+              <a:t>9</a:t>
+            </a:fld>
+            <a:endParaRPr lang="en-US" dirty="0"/>
+          </a:p>
+        </p:txBody>
+      </p:sp>
       <p:sp>
         <p:nvSpPr>
           <p:cNvPr id="15" name="Rounded Rectangular Callout 14"/>
@@ -13813,7 +14111,7 @@
         </p:nvSpPr>
         <p:spPr>
           <a:xfrm>
-            <a:off x="5511209" y="5417700"/>
+            <a:off x="6113637" y="5514519"/>
             <a:ext cx="2083981" cy="665127"/>
           </a:xfrm>
           <a:prstGeom prst="wedgeRoundRectCallout">
